--- a/documentation/ceng317presentation.pptx
+++ b/documentation/ceng317presentation.pptx
@@ -9,8 +9,8 @@
     <p:sldId id="257" r:id="rId3"/>
     <p:sldId id="258" r:id="rId4"/>
     <p:sldId id="259" r:id="rId5"/>
-    <p:sldId id="260" r:id="rId6"/>
-    <p:sldId id="261" r:id="rId7"/>
+    <p:sldId id="261" r:id="rId6"/>
+    <p:sldId id="260" r:id="rId7"/>
   </p:sldIdLst>
   <p:sldSz cx="12192000" cy="6858000"/>
   <p:notesSz cx="6858000" cy="9144000"/>
@@ -3877,23 +3877,7 @@
                 <a:ea typeface="Verdana" panose="020B0604030504040204" pitchFamily="34" charset="0"/>
                 <a:cs typeface="Verdana" panose="020B0604030504040204" pitchFamily="34" charset="0"/>
               </a:rPr>
-              <a:t> Light is a baby nightlight that will detect signs of a baby’s behavior. It is a proximity controlled Raspberry Pi device that will produce RGB lightings based on the sensor, such </a:t>
-            </a:r>
-            <a:r>
-              <a:rPr lang="en-US" sz="2000">
-                <a:latin typeface="Verdana" panose="020B0604030504040204" pitchFamily="34" charset="0"/>
-                <a:ea typeface="Verdana" panose="020B0604030504040204" pitchFamily="34" charset="0"/>
-                <a:cs typeface="Verdana" panose="020B0604030504040204" pitchFamily="34" charset="0"/>
-              </a:rPr>
-              <a:t>as the </a:t>
-            </a:r>
-            <a:r>
-              <a:rPr lang="en-US" sz="2000" dirty="0">
-                <a:latin typeface="Verdana" panose="020B0604030504040204" pitchFamily="34" charset="0"/>
-                <a:ea typeface="Verdana" panose="020B0604030504040204" pitchFamily="34" charset="0"/>
-                <a:cs typeface="Verdana" panose="020B0604030504040204" pitchFamily="34" charset="0"/>
-              </a:rPr>
-              <a:t>presence of an adult inside the room. </a:t>
+              <a:t> Light is a baby nightlight that will detect signs of a baby’s behavior. It is a proximity controlled Raspberry Pi device that will produce RGB lightings based on the sensor, such as the presence of an adult inside the room. </a:t>
             </a:r>
             <a:endParaRPr lang="en-CA" sz="2000" dirty="0">
               <a:latin typeface="Verdana" panose="020B0604030504040204" pitchFamily="34" charset="0"/>
@@ -5643,114 +5627,6 @@
 <file path=ppt/slides/slide5.xml><?xml version="1.0" encoding="utf-8"?>
 <p:sld xmlns:a="http://schemas.openxmlformats.org/drawingml/2006/main" xmlns:r="http://schemas.openxmlformats.org/officeDocument/2006/relationships" xmlns:p="http://schemas.openxmlformats.org/presentationml/2006/main">
   <p:cSld>
-    <p:spTree>
-      <p:nvGrpSpPr>
-        <p:cNvPr id="1" name=""/>
-        <p:cNvGrpSpPr/>
-        <p:nvPr/>
-      </p:nvGrpSpPr>
-      <p:grpSpPr>
-        <a:xfrm>
-          <a:off x="0" y="0"/>
-          <a:ext cx="0" cy="0"/>
-          <a:chOff x="0" y="0"/>
-          <a:chExt cx="0" cy="0"/>
-        </a:xfrm>
-      </p:grpSpPr>
-      <p:sp>
-        <p:nvSpPr>
-          <p:cNvPr id="2" name="Title 1">
-            <a:extLst>
-              <a:ext uri="{FF2B5EF4-FFF2-40B4-BE49-F238E27FC236}">
-                <a16:creationId xmlns:a16="http://schemas.microsoft.com/office/drawing/2014/main" id="{58301B6B-829F-4A73-BEB8-5713EC9B76A5}"/>
-              </a:ext>
-            </a:extLst>
-          </p:cNvPr>
-          <p:cNvSpPr>
-            <a:spLocks noGrp="1"/>
-          </p:cNvSpPr>
-          <p:nvPr>
-            <p:ph type="title"/>
-          </p:nvPr>
-        </p:nvSpPr>
-        <p:spPr>
-          <a:xfrm>
-            <a:off x="838200" y="365125"/>
-            <a:ext cx="10515600" cy="1325563"/>
-          </a:xfrm>
-        </p:spPr>
-        <p:txBody>
-          <a:bodyPr/>
-          <a:lstStyle/>
-          <a:p>
-            <a:r>
-              <a:rPr lang="en-US">
-                <a:latin typeface="Verdana" panose="020B0604030504040204" pitchFamily="34" charset="0"/>
-                <a:ea typeface="Verdana" panose="020B0604030504040204" pitchFamily="34" charset="0"/>
-                <a:cs typeface="Verdana" panose="020B0604030504040204" pitchFamily="34" charset="0"/>
-              </a:rPr>
-              <a:t>Backup Demo</a:t>
-            </a:r>
-            <a:endParaRPr lang="en-CA" dirty="0">
-              <a:latin typeface="Verdana" panose="020B0604030504040204" pitchFamily="34" charset="0"/>
-              <a:ea typeface="Verdana" panose="020B0604030504040204" pitchFamily="34" charset="0"/>
-              <a:cs typeface="Verdana" panose="020B0604030504040204" pitchFamily="34" charset="0"/>
-            </a:endParaRPr>
-          </a:p>
-        </p:txBody>
-      </p:sp>
-      <p:sp>
-        <p:nvSpPr>
-          <p:cNvPr id="3" name="Content Placeholder 2">
-            <a:extLst>
-              <a:ext uri="{FF2B5EF4-FFF2-40B4-BE49-F238E27FC236}">
-                <a16:creationId xmlns:a16="http://schemas.microsoft.com/office/drawing/2014/main" id="{889F41A3-5600-42B2-B41C-6A9E803F1EDF}"/>
-              </a:ext>
-            </a:extLst>
-          </p:cNvPr>
-          <p:cNvSpPr>
-            <a:spLocks noGrp="1"/>
-          </p:cNvSpPr>
-          <p:nvPr>
-            <p:ph idx="1"/>
-          </p:nvPr>
-        </p:nvSpPr>
-        <p:spPr>
-          <a:xfrm>
-            <a:off x="838200" y="1825625"/>
-            <a:ext cx="10515600" cy="4351338"/>
-          </a:xfrm>
-        </p:spPr>
-        <p:txBody>
-          <a:bodyPr/>
-          <a:lstStyle/>
-          <a:p>
-            <a:r>
-              <a:rPr lang="en-US">
-                <a:hlinkClick r:id="rId2"/>
-              </a:rPr>
-              <a:t>Build Video</a:t>
-            </a:r>
-            <a:endParaRPr lang="en-CA" dirty="0"/>
-          </a:p>
-        </p:txBody>
-      </p:sp>
-    </p:spTree>
-    <p:extLst>
-      <p:ext uri="{BB962C8B-B14F-4D97-AF65-F5344CB8AC3E}">
-        <p14:creationId xmlns:p14="http://schemas.microsoft.com/office/powerpoint/2010/main" val="2949600107"/>
-      </p:ext>
-    </p:extLst>
-  </p:cSld>
-  <p:clrMapOvr>
-    <a:masterClrMapping/>
-  </p:clrMapOvr>
-</p:sld>
-</file>
-
-<file path=ppt/slides/slide6.xml><?xml version="1.0" encoding="utf-8"?>
-<p:sld xmlns:a="http://schemas.openxmlformats.org/drawingml/2006/main" xmlns:r="http://schemas.openxmlformats.org/officeDocument/2006/relationships" xmlns:p="http://schemas.openxmlformats.org/presentationml/2006/main">
-  <p:cSld>
     <p:bg>
       <p:bgPr>
         <a:solidFill>
@@ -6030,6 +5906,114 @@
   </p:cSld>
   <p:clrMapOvr>
     <a:overrideClrMapping bg1="dk1" tx1="lt1" bg2="dk2" tx2="lt2" accent1="accent1" accent2="accent2" accent3="accent3" accent4="accent4" accent5="accent5" accent6="accent6" hlink="hlink" folHlink="folHlink"/>
+  </p:clrMapOvr>
+</p:sld>
+</file>
+
+<file path=ppt/slides/slide6.xml><?xml version="1.0" encoding="utf-8"?>
+<p:sld xmlns:a="http://schemas.openxmlformats.org/drawingml/2006/main" xmlns:r="http://schemas.openxmlformats.org/officeDocument/2006/relationships" xmlns:p="http://schemas.openxmlformats.org/presentationml/2006/main">
+  <p:cSld>
+    <p:spTree>
+      <p:nvGrpSpPr>
+        <p:cNvPr id="1" name=""/>
+        <p:cNvGrpSpPr/>
+        <p:nvPr/>
+      </p:nvGrpSpPr>
+      <p:grpSpPr>
+        <a:xfrm>
+          <a:off x="0" y="0"/>
+          <a:ext cx="0" cy="0"/>
+          <a:chOff x="0" y="0"/>
+          <a:chExt cx="0" cy="0"/>
+        </a:xfrm>
+      </p:grpSpPr>
+      <p:sp>
+        <p:nvSpPr>
+          <p:cNvPr id="2" name="Title 1">
+            <a:extLst>
+              <a:ext uri="{FF2B5EF4-FFF2-40B4-BE49-F238E27FC236}">
+                <a16:creationId xmlns:a16="http://schemas.microsoft.com/office/drawing/2014/main" id="{58301B6B-829F-4A73-BEB8-5713EC9B76A5}"/>
+              </a:ext>
+            </a:extLst>
+          </p:cNvPr>
+          <p:cNvSpPr>
+            <a:spLocks noGrp="1"/>
+          </p:cNvSpPr>
+          <p:nvPr>
+            <p:ph type="title"/>
+          </p:nvPr>
+        </p:nvSpPr>
+        <p:spPr>
+          <a:xfrm>
+            <a:off x="838200" y="365125"/>
+            <a:ext cx="10515600" cy="1325563"/>
+          </a:xfrm>
+        </p:spPr>
+        <p:txBody>
+          <a:bodyPr/>
+          <a:lstStyle/>
+          <a:p>
+            <a:r>
+              <a:rPr lang="en-US">
+                <a:latin typeface="Verdana" panose="020B0604030504040204" pitchFamily="34" charset="0"/>
+                <a:ea typeface="Verdana" panose="020B0604030504040204" pitchFamily="34" charset="0"/>
+                <a:cs typeface="Verdana" panose="020B0604030504040204" pitchFamily="34" charset="0"/>
+              </a:rPr>
+              <a:t>Backup Demo</a:t>
+            </a:r>
+            <a:endParaRPr lang="en-CA" dirty="0">
+              <a:latin typeface="Verdana" panose="020B0604030504040204" pitchFamily="34" charset="0"/>
+              <a:ea typeface="Verdana" panose="020B0604030504040204" pitchFamily="34" charset="0"/>
+              <a:cs typeface="Verdana" panose="020B0604030504040204" pitchFamily="34" charset="0"/>
+            </a:endParaRPr>
+          </a:p>
+        </p:txBody>
+      </p:sp>
+      <p:sp>
+        <p:nvSpPr>
+          <p:cNvPr id="3" name="Content Placeholder 2">
+            <a:extLst>
+              <a:ext uri="{FF2B5EF4-FFF2-40B4-BE49-F238E27FC236}">
+                <a16:creationId xmlns:a16="http://schemas.microsoft.com/office/drawing/2014/main" id="{889F41A3-5600-42B2-B41C-6A9E803F1EDF}"/>
+              </a:ext>
+            </a:extLst>
+          </p:cNvPr>
+          <p:cNvSpPr>
+            <a:spLocks noGrp="1"/>
+          </p:cNvSpPr>
+          <p:nvPr>
+            <p:ph idx="1"/>
+          </p:nvPr>
+        </p:nvSpPr>
+        <p:spPr>
+          <a:xfrm>
+            <a:off x="838200" y="1825625"/>
+            <a:ext cx="10515600" cy="4351338"/>
+          </a:xfrm>
+        </p:spPr>
+        <p:txBody>
+          <a:bodyPr/>
+          <a:lstStyle/>
+          <a:p>
+            <a:r>
+              <a:rPr lang="en-US">
+                <a:hlinkClick r:id="rId2"/>
+              </a:rPr>
+              <a:t>Build Video</a:t>
+            </a:r>
+            <a:endParaRPr lang="en-CA" dirty="0"/>
+          </a:p>
+        </p:txBody>
+      </p:sp>
+    </p:spTree>
+    <p:extLst>
+      <p:ext uri="{BB962C8B-B14F-4D97-AF65-F5344CB8AC3E}">
+        <p14:creationId xmlns:p14="http://schemas.microsoft.com/office/powerpoint/2010/main" val="2949600107"/>
+      </p:ext>
+    </p:extLst>
+  </p:cSld>
+  <p:clrMapOvr>
+    <a:masterClrMapping/>
   </p:clrMapOvr>
 </p:sld>
 </file>
